--- a/ppts/[Session0] Installation.pptx
+++ b/ppts/[Session0] Installation.pptx
@@ -118,7 +118,7 @@
   </p:defaultTextStyle>
   <p:extLst>
     <p:ext uri="{EFAFB233-063F-42B5-8137-9DF3F51BA10A}">
-      <p15:sldGuideLst xmlns="" xmlns:p15="http://schemas.microsoft.com/office/powerpoint/2012/main">
+      <p15:sldGuideLst xmlns:p15="http://schemas.microsoft.com/office/powerpoint/2012/main">
         <p15:guide id="1" orient="horz" pos="2160">
           <p15:clr>
             <a:srgbClr val="A4A3A4"/>
@@ -217,7 +217,7 @@
           <a:p>
             <a:fld id="{7A6B77AA-7177-4D50-AB49-C260886B6169}" type="datetimeFigureOut">
               <a:rPr lang="ko-KR" altLang="en-US" smtClean="0"/>
-              <a:t>2017-09-10</a:t>
+              <a:t>2017-09-25</a:t>
             </a:fld>
             <a:endParaRPr lang="ko-KR" altLang="en-US"/>
           </a:p>
@@ -666,7 +666,7 @@
           <a:p>
             <a:fld id="{1179C0B5-9E42-4E82-BD73-9C37117B84AF}" type="datetimeFigureOut">
               <a:rPr lang="ko-KR" altLang="en-US" smtClean="0"/>
-              <a:t>2017-09-10</a:t>
+              <a:t>2017-09-25</a:t>
             </a:fld>
             <a:endParaRPr lang="ko-KR" altLang="en-US"/>
           </a:p>
@@ -836,7 +836,7 @@
           <a:p>
             <a:fld id="{1179C0B5-9E42-4E82-BD73-9C37117B84AF}" type="datetimeFigureOut">
               <a:rPr lang="ko-KR" altLang="en-US" smtClean="0"/>
-              <a:t>2017-09-10</a:t>
+              <a:t>2017-09-25</a:t>
             </a:fld>
             <a:endParaRPr lang="ko-KR" altLang="en-US"/>
           </a:p>
@@ -1016,7 +1016,7 @@
           <a:p>
             <a:fld id="{1179C0B5-9E42-4E82-BD73-9C37117B84AF}" type="datetimeFigureOut">
               <a:rPr lang="ko-KR" altLang="en-US" smtClean="0"/>
-              <a:t>2017-09-10</a:t>
+              <a:t>2017-09-25</a:t>
             </a:fld>
             <a:endParaRPr lang="ko-KR" altLang="en-US"/>
           </a:p>
@@ -1186,7 +1186,7 @@
           <a:p>
             <a:fld id="{1179C0B5-9E42-4E82-BD73-9C37117B84AF}" type="datetimeFigureOut">
               <a:rPr lang="ko-KR" altLang="en-US" smtClean="0"/>
-              <a:t>2017-09-10</a:t>
+              <a:t>2017-09-25</a:t>
             </a:fld>
             <a:endParaRPr lang="ko-KR" altLang="en-US"/>
           </a:p>
@@ -1432,7 +1432,7 @@
           <a:p>
             <a:fld id="{1179C0B5-9E42-4E82-BD73-9C37117B84AF}" type="datetimeFigureOut">
               <a:rPr lang="ko-KR" altLang="en-US" smtClean="0"/>
-              <a:t>2017-09-10</a:t>
+              <a:t>2017-09-25</a:t>
             </a:fld>
             <a:endParaRPr lang="ko-KR" altLang="en-US"/>
           </a:p>
@@ -1720,7 +1720,7 @@
           <a:p>
             <a:fld id="{1179C0B5-9E42-4E82-BD73-9C37117B84AF}" type="datetimeFigureOut">
               <a:rPr lang="ko-KR" altLang="en-US" smtClean="0"/>
-              <a:t>2017-09-10</a:t>
+              <a:t>2017-09-25</a:t>
             </a:fld>
             <a:endParaRPr lang="ko-KR" altLang="en-US"/>
           </a:p>
@@ -2142,7 +2142,7 @@
           <a:p>
             <a:fld id="{1179C0B5-9E42-4E82-BD73-9C37117B84AF}" type="datetimeFigureOut">
               <a:rPr lang="ko-KR" altLang="en-US" smtClean="0"/>
-              <a:t>2017-09-10</a:t>
+              <a:t>2017-09-25</a:t>
             </a:fld>
             <a:endParaRPr lang="ko-KR" altLang="en-US"/>
           </a:p>
@@ -2260,7 +2260,7 @@
           <a:p>
             <a:fld id="{1179C0B5-9E42-4E82-BD73-9C37117B84AF}" type="datetimeFigureOut">
               <a:rPr lang="ko-KR" altLang="en-US" smtClean="0"/>
-              <a:t>2017-09-10</a:t>
+              <a:t>2017-09-25</a:t>
             </a:fld>
             <a:endParaRPr lang="ko-KR" altLang="en-US"/>
           </a:p>
@@ -2355,7 +2355,7 @@
           <a:p>
             <a:fld id="{1179C0B5-9E42-4E82-BD73-9C37117B84AF}" type="datetimeFigureOut">
               <a:rPr lang="ko-KR" altLang="en-US" smtClean="0"/>
-              <a:t>2017-09-10</a:t>
+              <a:t>2017-09-25</a:t>
             </a:fld>
             <a:endParaRPr lang="ko-KR" altLang="en-US"/>
           </a:p>
@@ -2632,7 +2632,7 @@
           <a:p>
             <a:fld id="{1179C0B5-9E42-4E82-BD73-9C37117B84AF}" type="datetimeFigureOut">
               <a:rPr lang="ko-KR" altLang="en-US" smtClean="0"/>
-              <a:t>2017-09-10</a:t>
+              <a:t>2017-09-25</a:t>
             </a:fld>
             <a:endParaRPr lang="ko-KR" altLang="en-US"/>
           </a:p>
@@ -2885,7 +2885,7 @@
           <a:p>
             <a:fld id="{1179C0B5-9E42-4E82-BD73-9C37117B84AF}" type="datetimeFigureOut">
               <a:rPr lang="ko-KR" altLang="en-US" smtClean="0"/>
-              <a:t>2017-09-10</a:t>
+              <a:t>2017-09-25</a:t>
             </a:fld>
             <a:endParaRPr lang="ko-KR" altLang="en-US"/>
           </a:p>
@@ -3098,7 +3098,7 @@
           <a:p>
             <a:fld id="{1179C0B5-9E42-4E82-BD73-9C37117B84AF}" type="datetimeFigureOut">
               <a:rPr lang="ko-KR" altLang="en-US" smtClean="0"/>
-              <a:t>2017-09-10</a:t>
+              <a:t>2017-09-25</a:t>
             </a:fld>
             <a:endParaRPr lang="ko-KR" altLang="en-US"/>
           </a:p>
@@ -3772,76 +3772,6 @@
                 <a:cs typeface="Arial" pitchFamily="34" charset="0"/>
               </a:rPr>
               <a:t>감성분석</a:t>
-            </a:r>
-            <a:endParaRPr lang="ko-KR" altLang="en-US" dirty="0">
-              <a:gradFill>
-                <a:gsLst>
-                  <a:gs pos="0">
-                    <a:schemeClr val="tx1">
-                      <a:lumMod val="65000"/>
-                      <a:lumOff val="35000"/>
-                    </a:schemeClr>
-                  </a:gs>
-                  <a:gs pos="100000">
-                    <a:schemeClr val="tx1">
-                      <a:lumMod val="65000"/>
-                      <a:lumOff val="35000"/>
-                    </a:schemeClr>
-                  </a:gs>
-                </a:gsLst>
-                <a:lin ang="5400000" scaled="0"/>
-              </a:gradFill>
-              <a:latin typeface="Arial" pitchFamily="34" charset="0"/>
-              <a:cs typeface="Arial" pitchFamily="34" charset="0"/>
-            </a:endParaRPr>
-          </a:p>
-        </p:txBody>
-      </p:sp>
-      <p:sp>
-        <p:nvSpPr>
-          <p:cNvPr id="11" name="TextBox 10"/>
-          <p:cNvSpPr txBox="1"/>
-          <p:nvPr/>
-        </p:nvSpPr>
-        <p:spPr>
-          <a:xfrm>
-            <a:off x="854185" y="3510300"/>
-            <a:ext cx="1402948" cy="369332"/>
-          </a:xfrm>
-          <a:prstGeom prst="rect">
-            <a:avLst/>
-          </a:prstGeom>
-          <a:noFill/>
-        </p:spPr>
-        <p:txBody>
-          <a:bodyPr wrap="none" rtlCol="0">
-            <a:spAutoFit/>
-          </a:bodyPr>
-          <a:lstStyle/>
-          <a:p>
-            <a:r>
-              <a:rPr lang="ko-KR" altLang="en-US" dirty="0" smtClean="0">
-                <a:gradFill>
-                  <a:gsLst>
-                    <a:gs pos="0">
-                      <a:schemeClr val="tx1">
-                        <a:lumMod val="65000"/>
-                        <a:lumOff val="35000"/>
-                      </a:schemeClr>
-                    </a:gs>
-                    <a:gs pos="100000">
-                      <a:schemeClr val="tx1">
-                        <a:lumMod val="65000"/>
-                        <a:lumOff val="35000"/>
-                      </a:schemeClr>
-                    </a:gs>
-                  </a:gsLst>
-                  <a:lin ang="5400000" scaled="0"/>
-                </a:gradFill>
-                <a:latin typeface="Arial" pitchFamily="34" charset="0"/>
-                <a:cs typeface="Arial" pitchFamily="34" charset="0"/>
-              </a:rPr>
-              <a:t>박진수 교수</a:t>
             </a:r>
             <a:endParaRPr lang="ko-KR" altLang="en-US" dirty="0">
               <a:gradFill>
